--- a/documents/master_thesis/final_presentation.pptx
+++ b/documents/master_thesis/final_presentation.pptx
@@ -5,10 +5,10 @@
     <p:sldMasterId id="2147483674" r:id="rId1"/>
   </p:sldMasterIdLst>
   <p:notesMasterIdLst>
-    <p:notesMasterId r:id="rId18"/>
+    <p:notesMasterId r:id="rId19"/>
   </p:notesMasterIdLst>
   <p:handoutMasterIdLst>
-    <p:handoutMasterId r:id="rId19"/>
+    <p:handoutMasterId r:id="rId20"/>
   </p:handoutMasterIdLst>
   <p:sldIdLst>
     <p:sldId id="258" r:id="rId2"/>
@@ -24,9 +24,10 @@
     <p:sldId id="289" r:id="rId12"/>
     <p:sldId id="291" r:id="rId13"/>
     <p:sldId id="292" r:id="rId14"/>
-    <p:sldId id="293" r:id="rId15"/>
-    <p:sldId id="276" r:id="rId16"/>
-    <p:sldId id="277" r:id="rId17"/>
+    <p:sldId id="294" r:id="rId15"/>
+    <p:sldId id="293" r:id="rId16"/>
+    <p:sldId id="276" r:id="rId17"/>
+    <p:sldId id="277" r:id="rId18"/>
   </p:sldIdLst>
   <p:sldSz cx="9144000" cy="6858000" type="screen4x3"/>
   <p:notesSz cx="6797675" cy="9926638"/>
@@ -312,11 +313,11 @@
         </c:dLbls>
         <c:gapWidth val="219"/>
         <c:overlap val="-27"/>
-        <c:axId val="257103704"/>
-        <c:axId val="257102920"/>
+        <c:axId val="11934480"/>
+        <c:axId val="11934864"/>
       </c:barChart>
       <c:catAx>
-        <c:axId val="257103704"/>
+        <c:axId val="11934480"/>
         <c:scaling>
           <c:orientation val="minMax"/>
         </c:scaling>
@@ -341,7 +342,7 @@
           <a:lstStyle/>
           <a:p>
             <a:pPr>
-              <a:defRPr sz="900" b="0" i="0" u="none" strike="noStrike" kern="1200" baseline="0">
+              <a:defRPr sz="1200" b="0" i="0" u="none" strike="noStrike" kern="1200" baseline="0">
                 <a:solidFill>
                   <a:srgbClr val="292929"/>
                 </a:solidFill>
@@ -353,7 +354,7 @@
             <a:endParaRPr lang="de-DE"/>
           </a:p>
         </c:txPr>
-        <c:crossAx val="257102920"/>
+        <c:crossAx val="11934864"/>
         <c:crosses val="autoZero"/>
         <c:auto val="1"/>
         <c:lblAlgn val="ctr"/>
@@ -361,7 +362,7 @@
         <c:noMultiLvlLbl val="0"/>
       </c:catAx>
       <c:valAx>
-        <c:axId val="257102920"/>
+        <c:axId val="11934864"/>
         <c:scaling>
           <c:orientation val="minMax"/>
           <c:max val="2000000"/>
@@ -387,7 +388,7 @@
               <a:lstStyle/>
               <a:p>
                 <a:pPr>
-                  <a:defRPr sz="1000" b="0" i="0" u="none" strike="noStrike" kern="1200" baseline="0">
+                  <a:defRPr sz="1200" b="0" i="0" u="none" strike="noStrike" kern="1200" baseline="0">
                     <a:solidFill>
                       <a:srgbClr val="292929"/>
                     </a:solidFill>
@@ -397,7 +398,7 @@
                   </a:defRPr>
                 </a:pPr>
                 <a:r>
-                  <a:rPr lang="de-AT"/>
+                  <a:rPr lang="de-AT" dirty="0"/>
                   <a:t>Konvergenzgrenze [W]</a:t>
                 </a:r>
               </a:p>
@@ -417,7 +418,7 @@
             <a:lstStyle/>
             <a:p>
               <a:pPr>
-                <a:defRPr sz="1000" b="0" i="0" u="none" strike="noStrike" kern="1200" baseline="0">
+                <a:defRPr sz="1200" b="0" i="0" u="none" strike="noStrike" kern="1200" baseline="0">
                   <a:solidFill>
                     <a:srgbClr val="292929"/>
                   </a:solidFill>
@@ -448,7 +449,7 @@
           <a:lstStyle/>
           <a:p>
             <a:pPr>
-              <a:defRPr sz="900" b="0" i="0" u="none" strike="noStrike" kern="1200" baseline="0">
+              <a:defRPr sz="1200" b="0" i="0" u="none" strike="noStrike" kern="1200" baseline="0">
                 <a:solidFill>
                   <a:srgbClr val="292929"/>
                 </a:solidFill>
@@ -460,9 +461,10 @@
             <a:endParaRPr lang="de-DE"/>
           </a:p>
         </c:txPr>
-        <c:crossAx val="257103704"/>
+        <c:crossAx val="11934480"/>
         <c:crosses val="autoZero"/>
         <c:crossBetween val="between"/>
+        <c:majorUnit val="40000"/>
       </c:valAx>
       <c:spPr>
         <a:noFill/>
@@ -488,7 +490,7 @@
     <a:lstStyle/>
     <a:p>
       <a:pPr>
-        <a:defRPr>
+        <a:defRPr sz="1200">
           <a:solidFill>
             <a:srgbClr val="292929"/>
           </a:solidFill>
@@ -620,11 +622,11 @@
         </c:dLbls>
         <c:gapWidth val="219"/>
         <c:overlap val="-27"/>
-        <c:axId val="251000896"/>
-        <c:axId val="251001288"/>
+        <c:axId val="147537248"/>
+        <c:axId val="147534056"/>
       </c:barChart>
       <c:catAx>
-        <c:axId val="251000896"/>
+        <c:axId val="147537248"/>
         <c:scaling>
           <c:orientation val="minMax"/>
         </c:scaling>
@@ -649,7 +651,7 @@
           <a:lstStyle/>
           <a:p>
             <a:pPr>
-              <a:defRPr sz="900" b="0" i="0" u="none" strike="noStrike" kern="1200" baseline="0">
+              <a:defRPr sz="1200" b="0" i="0" u="none" strike="noStrike" kern="1200" baseline="0">
                 <a:solidFill>
                   <a:srgbClr val="292929"/>
                 </a:solidFill>
@@ -661,7 +663,7 @@
             <a:endParaRPr lang="de-DE"/>
           </a:p>
         </c:txPr>
-        <c:crossAx val="251001288"/>
+        <c:crossAx val="147534056"/>
         <c:crosses val="autoZero"/>
         <c:auto val="1"/>
         <c:lblAlgn val="ctr"/>
@@ -669,7 +671,7 @@
         <c:noMultiLvlLbl val="0"/>
       </c:catAx>
       <c:valAx>
-        <c:axId val="251001288"/>
+        <c:axId val="147534056"/>
         <c:scaling>
           <c:orientation val="minMax"/>
           <c:max val="1976000"/>
@@ -695,7 +697,7 @@
               <a:lstStyle/>
               <a:p>
                 <a:pPr>
-                  <a:defRPr sz="1000" b="0" i="0" u="none" strike="noStrike" kern="1200" baseline="0">
+                  <a:defRPr sz="1200" b="0" i="0" u="none" strike="noStrike" kern="1200" baseline="0">
                     <a:solidFill>
                       <a:srgbClr val="292929"/>
                     </a:solidFill>
@@ -725,7 +727,7 @@
             <a:lstStyle/>
             <a:p>
               <a:pPr>
-                <a:defRPr sz="1000" b="0" i="0" u="none" strike="noStrike" kern="1200" baseline="0">
+                <a:defRPr sz="1200" b="0" i="0" u="none" strike="noStrike" kern="1200" baseline="0">
                   <a:solidFill>
                     <a:srgbClr val="292929"/>
                   </a:solidFill>
@@ -756,7 +758,7 @@
           <a:lstStyle/>
           <a:p>
             <a:pPr>
-              <a:defRPr sz="900" b="0" i="0" u="none" strike="noStrike" kern="1200" baseline="0">
+              <a:defRPr sz="1200" b="0" i="0" u="none" strike="noStrike" kern="1200" baseline="0">
                 <a:solidFill>
                   <a:srgbClr val="292929"/>
                 </a:solidFill>
@@ -768,7 +770,7 @@
             <a:endParaRPr lang="de-DE"/>
           </a:p>
         </c:txPr>
-        <c:crossAx val="251000896"/>
+        <c:crossAx val="147537248"/>
         <c:crosses val="autoZero"/>
         <c:crossBetween val="between"/>
       </c:valAx>
@@ -796,7 +798,7 @@
     <a:lstStyle/>
     <a:p>
       <a:pPr>
-        <a:defRPr>
+        <a:defRPr sz="1200">
           <a:solidFill>
             <a:srgbClr val="292929"/>
           </a:solidFill>
@@ -908,11 +910,11 @@
         </c:dLbls>
         <c:gapWidth val="219"/>
         <c:overlap val="-27"/>
-        <c:axId val="248803512"/>
-        <c:axId val="248803904"/>
+        <c:axId val="149437408"/>
+        <c:axId val="149438976"/>
       </c:barChart>
       <c:catAx>
-        <c:axId val="248803512"/>
+        <c:axId val="149437408"/>
         <c:scaling>
           <c:orientation val="minMax"/>
         </c:scaling>
@@ -937,7 +939,7 @@
           <a:lstStyle/>
           <a:p>
             <a:pPr>
-              <a:defRPr sz="900" b="0" i="0" u="none" strike="noStrike" kern="1200" baseline="0">
+              <a:defRPr sz="1200" b="0" i="0" u="none" strike="noStrike" kern="1200" baseline="0">
                 <a:solidFill>
                   <a:srgbClr val="292929"/>
                 </a:solidFill>
@@ -949,7 +951,7 @@
             <a:endParaRPr lang="de-DE"/>
           </a:p>
         </c:txPr>
-        <c:crossAx val="248803904"/>
+        <c:crossAx val="149438976"/>
         <c:crosses val="autoZero"/>
         <c:auto val="1"/>
         <c:lblAlgn val="ctr"/>
@@ -957,7 +959,7 @@
         <c:noMultiLvlLbl val="0"/>
       </c:catAx>
       <c:valAx>
-        <c:axId val="248803904"/>
+        <c:axId val="149438976"/>
         <c:scaling>
           <c:orientation val="minMax"/>
         </c:scaling>
@@ -981,7 +983,7 @@
               <a:lstStyle/>
               <a:p>
                 <a:pPr>
-                  <a:defRPr sz="1000" b="0" i="0" u="none" strike="noStrike" kern="1200" baseline="0">
+                  <a:defRPr sz="1200" b="0" i="0" u="none" strike="noStrike" kern="1200" baseline="0">
                     <a:solidFill>
                       <a:srgbClr val="292929"/>
                     </a:solidFill>
@@ -991,12 +993,8 @@
                   </a:defRPr>
                 </a:pPr>
                 <a:r>
-                  <a:rPr lang="de-AT" dirty="0" smtClean="0"/>
-                  <a:t>Laufzeit [s</a:t>
-                </a:r>
-                <a:r>
-                  <a:rPr lang="de-AT" dirty="0"/>
-                  <a:t>]</a:t>
+                  <a:rPr lang="de-AT"/>
+                  <a:t>Laufzeit [s]</a:t>
                 </a:r>
               </a:p>
             </c:rich>
@@ -1015,7 +1013,7 @@
             <a:lstStyle/>
             <a:p>
               <a:pPr>
-                <a:defRPr sz="1000" b="0" i="0" u="none" strike="noStrike" kern="1200" baseline="0">
+                <a:defRPr sz="1200" b="0" i="0" u="none" strike="noStrike" kern="1200" baseline="0">
                   <a:solidFill>
                     <a:srgbClr val="292929"/>
                   </a:solidFill>
@@ -1046,7 +1044,7 @@
           <a:lstStyle/>
           <a:p>
             <a:pPr>
-              <a:defRPr sz="900" b="0" i="0" u="none" strike="noStrike" kern="1200" baseline="0">
+              <a:defRPr sz="1200" b="0" i="0" u="none" strike="noStrike" kern="1200" baseline="0">
                 <a:solidFill>
                   <a:srgbClr val="292929"/>
                 </a:solidFill>
@@ -1058,7 +1056,7 @@
             <a:endParaRPr lang="de-DE"/>
           </a:p>
         </c:txPr>
-        <c:crossAx val="248803512"/>
+        <c:crossAx val="149437408"/>
         <c:crosses val="autoZero"/>
         <c:crossBetween val="between"/>
       </c:valAx>
@@ -1086,7 +1084,7 @@
     <a:lstStyle/>
     <a:p>
       <a:pPr>
-        <a:defRPr>
+        <a:defRPr sz="1200">
           <a:solidFill>
             <a:srgbClr val="292929"/>
           </a:solidFill>
@@ -1198,11 +1196,11 @@
         </c:dLbls>
         <c:gapWidth val="219"/>
         <c:overlap val="-27"/>
-        <c:axId val="314261960"/>
-        <c:axId val="314262352"/>
+        <c:axId val="145702480"/>
+        <c:axId val="145703264"/>
       </c:barChart>
       <c:catAx>
-        <c:axId val="314261960"/>
+        <c:axId val="145702480"/>
         <c:scaling>
           <c:orientation val="minMax"/>
         </c:scaling>
@@ -1227,7 +1225,7 @@
           <a:lstStyle/>
           <a:p>
             <a:pPr>
-              <a:defRPr sz="900" b="0" i="0" u="none" strike="noStrike" kern="1200" baseline="0">
+              <a:defRPr sz="1200" b="0" i="0" u="none" strike="noStrike" kern="1200" baseline="0">
                 <a:solidFill>
                   <a:srgbClr val="292929"/>
                 </a:solidFill>
@@ -1239,7 +1237,7 @@
             <a:endParaRPr lang="de-DE"/>
           </a:p>
         </c:txPr>
-        <c:crossAx val="314262352"/>
+        <c:crossAx val="145703264"/>
         <c:crosses val="autoZero"/>
         <c:auto val="1"/>
         <c:lblAlgn val="ctr"/>
@@ -1247,7 +1245,7 @@
         <c:noMultiLvlLbl val="0"/>
       </c:catAx>
       <c:valAx>
-        <c:axId val="314262352"/>
+        <c:axId val="145703264"/>
         <c:scaling>
           <c:orientation val="minMax"/>
         </c:scaling>
@@ -1271,7 +1269,7 @@
               <a:lstStyle/>
               <a:p>
                 <a:pPr>
-                  <a:defRPr sz="1000" b="0" i="0" u="none" strike="noStrike" kern="1200" baseline="0">
+                  <a:defRPr sz="1200" b="0" i="0" u="none" strike="noStrike" kern="1200" baseline="0">
                     <a:solidFill>
                       <a:srgbClr val="292929"/>
                     </a:solidFill>
@@ -1281,12 +1279,8 @@
                   </a:defRPr>
                 </a:pPr>
                 <a:r>
-                  <a:rPr lang="de-AT" dirty="0" smtClean="0"/>
-                  <a:t>Laufzeit </a:t>
-                </a:r>
-                <a:r>
-                  <a:rPr lang="de-AT" dirty="0"/>
-                  <a:t>[s]</a:t>
+                  <a:rPr lang="de-AT"/>
+                  <a:t>Laufzeit [s]</a:t>
                 </a:r>
               </a:p>
             </c:rich>
@@ -1305,7 +1299,7 @@
             <a:lstStyle/>
             <a:p>
               <a:pPr>
-                <a:defRPr sz="1000" b="0" i="0" u="none" strike="noStrike" kern="1200" baseline="0">
+                <a:defRPr sz="1200" b="0" i="0" u="none" strike="noStrike" kern="1200" baseline="0">
                   <a:solidFill>
                     <a:srgbClr val="292929"/>
                   </a:solidFill>
@@ -1336,7 +1330,7 @@
           <a:lstStyle/>
           <a:p>
             <a:pPr>
-              <a:defRPr sz="900" b="0" i="0" u="none" strike="noStrike" kern="1200" baseline="0">
+              <a:defRPr sz="1200" b="0" i="0" u="none" strike="noStrike" kern="1200" baseline="0">
                 <a:solidFill>
                   <a:srgbClr val="292929"/>
                 </a:solidFill>
@@ -1348,7 +1342,7 @@
             <a:endParaRPr lang="de-DE"/>
           </a:p>
         </c:txPr>
-        <c:crossAx val="314261960"/>
+        <c:crossAx val="145702480"/>
         <c:crosses val="autoZero"/>
         <c:crossBetween val="between"/>
       </c:valAx>
@@ -1376,7 +1370,7 @@
     <a:lstStyle/>
     <a:p>
       <a:pPr>
-        <a:defRPr>
+        <a:defRPr sz="1200">
           <a:solidFill>
             <a:srgbClr val="292929"/>
           </a:solidFill>
@@ -4495,6 +4489,91 @@
     </p:spTree>
     <p:extLst>
       <p:ext uri="{BB962C8B-B14F-4D97-AF65-F5344CB8AC3E}">
+        <p14:creationId xmlns:p14="http://schemas.microsoft.com/office/powerpoint/2010/main" val="2224229847"/>
+      </p:ext>
+    </p:extLst>
+  </p:cSld>
+  <p:clrMapOvr>
+    <a:masterClrMapping/>
+  </p:clrMapOvr>
+</p:notes>
+</file>
+
+<file path=ppt/notesSlides/notesSlide12.xml><?xml version="1.0" encoding="utf-8"?>
+<p:notes xmlns:a="http://schemas.openxmlformats.org/drawingml/2006/main" xmlns:r="http://schemas.openxmlformats.org/officeDocument/2006/relationships" xmlns:p="http://schemas.openxmlformats.org/presentationml/2006/main">
+  <p:cSld>
+    <p:spTree>
+      <p:nvGrpSpPr>
+        <p:cNvPr id="1" name=""/>
+        <p:cNvGrpSpPr/>
+        <p:nvPr/>
+      </p:nvGrpSpPr>
+      <p:grpSpPr>
+        <a:xfrm>
+          <a:off x="0" y="0"/>
+          <a:ext cx="0" cy="0"/>
+          <a:chOff x="0" y="0"/>
+          <a:chExt cx="0" cy="0"/>
+        </a:xfrm>
+      </p:grpSpPr>
+      <p:sp>
+        <p:nvSpPr>
+          <p:cNvPr id="2" name="Slide Image Placeholder 1"/>
+          <p:cNvSpPr>
+            <a:spLocks noGrp="1" noRot="1" noChangeAspect="1"/>
+          </p:cNvSpPr>
+          <p:nvPr>
+            <p:ph type="sldImg"/>
+          </p:nvPr>
+        </p:nvSpPr>
+        <p:spPr/>
+      </p:sp>
+      <p:sp>
+        <p:nvSpPr>
+          <p:cNvPr id="3" name="Notes Placeholder 2"/>
+          <p:cNvSpPr>
+            <a:spLocks noGrp="1"/>
+          </p:cNvSpPr>
+          <p:nvPr>
+            <p:ph type="body" idx="1"/>
+          </p:nvPr>
+        </p:nvSpPr>
+        <p:spPr/>
+        <p:txBody>
+          <a:bodyPr/>
+          <a:lstStyle/>
+          <a:p>
+            <a:endParaRPr lang="en-US" dirty="0"/>
+          </a:p>
+        </p:txBody>
+      </p:sp>
+      <p:sp>
+        <p:nvSpPr>
+          <p:cNvPr id="4" name="Slide Number Placeholder 3"/>
+          <p:cNvSpPr>
+            <a:spLocks noGrp="1"/>
+          </p:cNvSpPr>
+          <p:nvPr>
+            <p:ph type="sldNum" sz="quarter" idx="10"/>
+          </p:nvPr>
+        </p:nvSpPr>
+        <p:spPr/>
+        <p:txBody>
+          <a:bodyPr/>
+          <a:lstStyle/>
+          <a:p>
+            <a:fld id="{4076C813-D030-4D54-8CF7-53DD0F1B09F5}" type="slidenum">
+              <a:rPr lang="de-DE" altLang="de-DE" smtClean="0"/>
+              <a:pPr/>
+              <a:t>15</a:t>
+            </a:fld>
+            <a:endParaRPr lang="de-DE" altLang="de-DE" dirty="0"/>
+          </a:p>
+        </p:txBody>
+      </p:sp>
+    </p:spTree>
+    <p:extLst>
+      <p:ext uri="{BB962C8B-B14F-4D97-AF65-F5344CB8AC3E}">
         <p14:creationId xmlns:p14="http://schemas.microsoft.com/office/powerpoint/2010/main" val="897456303"/>
       </p:ext>
     </p:extLst>
@@ -5513,7 +5592,7 @@
               <a:pPr>
                 <a:defRPr/>
               </a:pPr>
-              <a:t>01.03.2015</a:t>
+              <a:t>05.03.2015</a:t>
             </a:fld>
             <a:endParaRPr lang="de-DE" dirty="0"/>
           </a:p>
@@ -5919,7 +5998,7 @@
               <a:pPr>
                 <a:defRPr/>
               </a:pPr>
-              <a:t>01.03.2015</a:t>
+              <a:t>05.03.2015</a:t>
             </a:fld>
             <a:endParaRPr lang="de-DE" dirty="0"/>
           </a:p>
@@ -6273,7 +6352,7 @@
               <a:pPr>
                 <a:defRPr/>
               </a:pPr>
-              <a:t>01.03.2015</a:t>
+              <a:t>05.03.2015</a:t>
             </a:fld>
             <a:endParaRPr lang="de-DE" dirty="0"/>
           </a:p>
@@ -7202,7 +7281,7 @@
                 <a:latin typeface="+mn-lt"/>
                 <a:cs typeface="Arial" charset="0"/>
               </a:rPr>
-              <a:t>Meyer/??.03.2015</a:t>
+              <a:t>Meyer/12.03.2015</a:t>
             </a:r>
             <a:r>
               <a:rPr lang="de-DE" sz="1600" b="1" dirty="0" smtClean="0">
@@ -7456,15 +7535,7 @@
                   <a:schemeClr val="bg2"/>
                 </a:solidFill>
               </a:rPr>
-              <a:t>Abschlussvortrag </a:t>
-            </a:r>
-            <a:r>
-              <a:rPr lang="de-DE" altLang="de-DE" sz="2000" dirty="0" smtClean="0">
-                <a:solidFill>
-                  <a:schemeClr val="bg2"/>
-                </a:solidFill>
-              </a:rPr>
-              <a:t>Masterthesis</a:t>
+              <a:t>Abschlussvortrag Masterthesis</a:t>
             </a:r>
           </a:p>
         </p:txBody>
@@ -7573,7 +7644,6 @@
               <a:rPr lang="de-DE" altLang="de-DE" dirty="0" smtClean="0"/>
               <a:t>Ergebnisse</a:t>
             </a:r>
-            <a:endParaRPr lang="de-DE" altLang="de-DE" dirty="0" smtClean="0"/>
           </a:p>
         </p:txBody>
       </p:sp>
@@ -7600,7 +7670,7 @@
               <a:pPr>
                 <a:defRPr/>
               </a:pPr>
-              <a:t>01.03.2015</a:t>
+              <a:t>05.03.2015</a:t>
             </a:fld>
             <a:endParaRPr lang="de-DE" dirty="0"/>
           </a:p>
@@ -7799,7 +7869,6 @@
               <a:rPr lang="de-AT" altLang="de-DE" dirty="0" smtClean="0"/>
               <a:t>Erhöhung der Leistung bis das jeweilige Verfahren nicht mehr konvergiert</a:t>
             </a:r>
-            <a:endParaRPr lang="de-AT" altLang="de-DE" dirty="0" smtClean="0"/>
           </a:p>
           <a:p>
             <a:r>
@@ -7824,14 +7893,11 @@
             <a:pPr lvl="1"/>
             <a:r>
               <a:rPr lang="de-AT" altLang="de-DE" dirty="0" smtClean="0"/>
-              <a:t>Modifiziert aufgrund von Einschränkungen in HELM</a:t>
+              <a:t>Modifiziert aufgrund von Einschränkungen in </a:t>
             </a:r>
-          </a:p>
-          <a:p>
-            <a:pPr lvl="1"/>
             <a:r>
               <a:rPr lang="de-AT" altLang="de-DE" dirty="0" smtClean="0"/>
-              <a:t>In zwei Varianten: Getrennte Teilnetze und großes Gesamtnetz</a:t>
+              <a:t>HELM</a:t>
             </a:r>
             <a:endParaRPr lang="de-DE" altLang="de-DE" dirty="0" smtClean="0"/>
           </a:p>
@@ -7893,7 +7959,6 @@
               <a:rPr lang="de-DE" altLang="de-DE" dirty="0" smtClean="0"/>
               <a:t>Konvergenzverhalten</a:t>
             </a:r>
-            <a:endParaRPr lang="de-DE" altLang="de-DE" dirty="0" smtClean="0"/>
           </a:p>
         </p:txBody>
       </p:sp>
@@ -7920,7 +7985,7 @@
               <a:pPr>
                 <a:defRPr/>
               </a:pPr>
-              <a:t>01.03.2015</a:t>
+              <a:t>05.03.2015</a:t>
             </a:fld>
             <a:endParaRPr lang="de-DE" dirty="0"/>
           </a:p>
@@ -8097,7 +8162,7 @@
           <p:nvPr>
             <p:extLst>
               <p:ext uri="{D42A27DB-BD31-4B8C-83A1-F6EECF244321}">
-                <p14:modId xmlns:p14="http://schemas.microsoft.com/office/powerpoint/2010/main" val="4126324393"/>
+                <p14:modId xmlns:p14="http://schemas.microsoft.com/office/powerpoint/2010/main" val="616919463"/>
               </p:ext>
             </p:extLst>
           </p:nvPr>
@@ -8168,7 +8233,6 @@
               <a:rPr lang="de-DE" altLang="de-DE" dirty="0" smtClean="0"/>
               <a:t>Konvergenzverhalten</a:t>
             </a:r>
-            <a:endParaRPr lang="de-DE" altLang="de-DE" dirty="0" smtClean="0"/>
           </a:p>
         </p:txBody>
       </p:sp>
@@ -8195,7 +8259,7 @@
               <a:pPr>
                 <a:defRPr/>
               </a:pPr>
-              <a:t>01.03.2015</a:t>
+              <a:t>05.03.2015</a:t>
             </a:fld>
             <a:endParaRPr lang="de-DE" dirty="0"/>
           </a:p>
@@ -8372,7 +8436,7 @@
           <p:nvPr>
             <p:extLst>
               <p:ext uri="{D42A27DB-BD31-4B8C-83A1-F6EECF244321}">
-                <p14:modId xmlns:p14="http://schemas.microsoft.com/office/powerpoint/2010/main" val="3006864699"/>
+                <p14:modId xmlns:p14="http://schemas.microsoft.com/office/powerpoint/2010/main" val="1279295888"/>
               </p:ext>
             </p:extLst>
           </p:nvPr>
@@ -8455,14 +8519,6 @@
               <a:rPr lang="de-DE" altLang="de-DE" dirty="0" err="1" smtClean="0"/>
               <a:t>fürth</a:t>
             </a:r>
-            <a:r>
-              <a:rPr lang="de-DE" altLang="de-DE" dirty="0"/>
-              <a:t> </a:t>
-            </a:r>
-            <a:r>
-              <a:rPr lang="de-DE" altLang="de-DE" dirty="0" smtClean="0"/>
-              <a:t>– 3 Teilnetze</a:t>
-            </a:r>
             <a:endParaRPr lang="de-DE" altLang="de-DE" dirty="0" smtClean="0"/>
           </a:p>
         </p:txBody>
@@ -8490,7 +8546,7 @@
               <a:pPr>
                 <a:defRPr/>
               </a:pPr>
-              <a:t>01.03.2015</a:t>
+              <a:t>05.03.2015</a:t>
             </a:fld>
             <a:endParaRPr lang="de-DE" dirty="0"/>
           </a:p>
@@ -8658,30 +8714,97 @@
           </a:p>
         </p:txBody>
       </p:sp>
-      <p:graphicFrame>
-        <p:nvGraphicFramePr>
-          <p:cNvPr id="9" name="Chart 8"/>
-          <p:cNvGraphicFramePr>
-            <a:graphicFrameLocks/>
-          </p:cNvGraphicFramePr>
+      <p:pic>
+        <p:nvPicPr>
+          <p:cNvPr id="2" name="Picture 1"/>
+          <p:cNvPicPr>
+            <a:picLocks noChangeAspect="1"/>
+          </p:cNvPicPr>
+          <p:nvPr/>
+        </p:nvPicPr>
+        <p:blipFill>
+          <a:blip r:embed="rId3">
+            <a:extLst>
+              <a:ext uri="{28A0092B-C50C-407E-A947-70E740481C1C}">
+                <a14:useLocalDpi xmlns:a14="http://schemas.microsoft.com/office/drawing/2010/main" val="0"/>
+              </a:ext>
+            </a:extLst>
+          </a:blip>
+          <a:stretch>
+            <a:fillRect/>
+          </a:stretch>
+        </p:blipFill>
+        <p:spPr>
+          <a:xfrm>
+            <a:off x="152893" y="1524000"/>
+            <a:ext cx="4019612" cy="4771247"/>
+          </a:xfrm>
+          <a:prstGeom prst="rect">
+            <a:avLst/>
+          </a:prstGeom>
+        </p:spPr>
+      </p:pic>
+      <p:sp>
+        <p:nvSpPr>
+          <p:cNvPr id="8" name="Textplatzhalter 2"/>
+          <p:cNvSpPr>
+            <a:spLocks noGrp="1"/>
+          </p:cNvSpPr>
           <p:nvPr>
-            <p:extLst>
-              <p:ext uri="{D42A27DB-BD31-4B8C-83A1-F6EECF244321}">
-                <p14:modId xmlns:p14="http://schemas.microsoft.com/office/powerpoint/2010/main" val="1451255457"/>
-              </p:ext>
-            </p:extLst>
+            <p:ph type="body" idx="4294967295"/>
           </p:nvPr>
-        </p:nvGraphicFramePr>
-        <p:xfrm>
-          <a:off x="457200" y="1643455"/>
-          <a:ext cx="8229600" cy="4473260"/>
-        </p:xfrm>
-        <a:graphic>
-          <a:graphicData uri="http://schemas.openxmlformats.org/drawingml/2006/chart">
-            <c:chart xmlns:c="http://schemas.openxmlformats.org/drawingml/2006/chart" xmlns:r="http://schemas.openxmlformats.org/officeDocument/2006/relationships" r:id="rId3"/>
-          </a:graphicData>
-        </a:graphic>
-      </p:graphicFrame>
+        </p:nvSpPr>
+        <p:spPr>
+          <a:xfrm>
+            <a:off x="4332303" y="1953087"/>
+            <a:ext cx="4658804" cy="4270160"/>
+          </a:xfrm>
+        </p:spPr>
+        <p:txBody>
+          <a:bodyPr/>
+          <a:lstStyle/>
+          <a:p>
+            <a:r>
+              <a:rPr lang="de-AT" altLang="de-DE" dirty="0" smtClean="0"/>
+              <a:t>57000 Knoten</a:t>
+            </a:r>
+          </a:p>
+          <a:p>
+            <a:r>
+              <a:rPr lang="de-AT" altLang="de-DE" dirty="0" smtClean="0"/>
+              <a:t>Modifikation für HELM:</a:t>
+            </a:r>
+          </a:p>
+          <a:p>
+            <a:pPr lvl="1"/>
+            <a:r>
+              <a:rPr lang="de-AT" altLang="de-DE" dirty="0" smtClean="0"/>
+              <a:t>Geregelte Elemente entfernt</a:t>
+            </a:r>
+          </a:p>
+          <a:p>
+            <a:r>
+              <a:rPr lang="de-AT" altLang="de-DE" dirty="0" smtClean="0"/>
+              <a:t>2 Varianten:</a:t>
+            </a:r>
+          </a:p>
+          <a:p>
+            <a:pPr lvl="1"/>
+            <a:r>
+              <a:rPr lang="de-AT" altLang="de-DE" dirty="0" smtClean="0"/>
+              <a:t>3 Teilnetze</a:t>
+            </a:r>
+          </a:p>
+          <a:p>
+            <a:pPr lvl="1"/>
+            <a:r>
+              <a:rPr lang="de-AT" altLang="de-DE" dirty="0" smtClean="0"/>
+              <a:t>Gesamtnetz</a:t>
+            </a:r>
+            <a:endParaRPr lang="de-DE" altLang="de-DE" dirty="0" smtClean="0"/>
+          </a:p>
+        </p:txBody>
+      </p:sp>
     </p:spTree>
     <p:extLst>
       <p:ext uri="{BB962C8B-B14F-4D97-AF65-F5344CB8AC3E}">
@@ -8756,9 +8879,8 @@
             </a:r>
             <a:r>
               <a:rPr lang="de-DE" altLang="de-DE" dirty="0" smtClean="0"/>
-              <a:t>– Gesamtnetz</a:t>
+              <a:t>– 3 Teilnetze</a:t>
             </a:r>
-            <a:endParaRPr lang="de-DE" altLang="de-DE" dirty="0" smtClean="0"/>
           </a:p>
         </p:txBody>
       </p:sp>
@@ -8785,7 +8907,7 @@
               <a:pPr>
                 <a:defRPr/>
               </a:pPr>
-              <a:t>01.03.2015</a:t>
+              <a:t>05.03.2015</a:t>
             </a:fld>
             <a:endParaRPr lang="de-DE" dirty="0"/>
           </a:p>
@@ -8912,6 +9034,300 @@
               </a:rPr>
               <a:pPr/>
               <a:t>14</a:t>
+            </a:fld>
+            <a:endParaRPr lang="de-DE" altLang="de-DE" sz="1200" dirty="0">
+              <a:solidFill>
+                <a:schemeClr val="bg2"/>
+              </a:solidFill>
+              <a:latin typeface="TUM Neue Helvetica 55 Regular" pitchFamily="34" charset="0"/>
+            </a:endParaRPr>
+          </a:p>
+        </p:txBody>
+      </p:sp>
+      <p:sp>
+        <p:nvSpPr>
+          <p:cNvPr id="7" name="Fußzeilenplatzhalter 5"/>
+          <p:cNvSpPr>
+            <a:spLocks noGrp="1"/>
+          </p:cNvSpPr>
+          <p:nvPr>
+            <p:ph type="ftr" sz="quarter" idx="12"/>
+          </p:nvPr>
+        </p:nvSpPr>
+        <p:spPr>
+          <a:xfrm>
+            <a:off x="1755775" y="6400800"/>
+            <a:ext cx="6327775" cy="304800"/>
+          </a:xfrm>
+        </p:spPr>
+        <p:txBody>
+          <a:bodyPr/>
+          <a:lstStyle/>
+          <a:p>
+            <a:pPr>
+              <a:defRPr/>
+            </a:pPr>
+            <a:r>
+              <a:rPr lang="en-US" dirty="0" smtClean="0"/>
+              <a:t>Implementierung und Evaluierung von Holomorphic Embedding Load Flow</a:t>
+            </a:r>
+            <a:endParaRPr lang="de-DE" dirty="0"/>
+          </a:p>
+        </p:txBody>
+      </p:sp>
+      <p:graphicFrame>
+        <p:nvGraphicFramePr>
+          <p:cNvPr id="9" name="Chart 8"/>
+          <p:cNvGraphicFramePr>
+            <a:graphicFrameLocks/>
+          </p:cNvGraphicFramePr>
+          <p:nvPr>
+            <p:extLst>
+              <p:ext uri="{D42A27DB-BD31-4B8C-83A1-F6EECF244321}">
+                <p14:modId xmlns:p14="http://schemas.microsoft.com/office/powerpoint/2010/main" val="4177741638"/>
+              </p:ext>
+            </p:extLst>
+          </p:nvPr>
+        </p:nvGraphicFramePr>
+        <p:xfrm>
+          <a:off x="457200" y="1643455"/>
+          <a:ext cx="8229600" cy="4473260"/>
+        </p:xfrm>
+        <a:graphic>
+          <a:graphicData uri="http://schemas.openxmlformats.org/drawingml/2006/chart">
+            <c:chart xmlns:c="http://schemas.openxmlformats.org/drawingml/2006/chart" xmlns:r="http://schemas.openxmlformats.org/officeDocument/2006/relationships" r:id="rId3"/>
+          </a:graphicData>
+        </a:graphic>
+      </p:graphicFrame>
+    </p:spTree>
+    <p:extLst>
+      <p:ext uri="{BB962C8B-B14F-4D97-AF65-F5344CB8AC3E}">
+        <p14:creationId xmlns:p14="http://schemas.microsoft.com/office/powerpoint/2010/main" val="1717754342"/>
+      </p:ext>
+    </p:extLst>
+  </p:cSld>
+  <p:clrMapOvr>
+    <a:masterClrMapping/>
+  </p:clrMapOvr>
+  <p:timing>
+    <p:tnLst>
+      <p:par>
+        <p:cTn id="1" dur="indefinite" restart="never" nodeType="tmRoot"/>
+      </p:par>
+    </p:tnLst>
+  </p:timing>
+</p:sld>
+</file>
+
+<file path=ppt/slides/slide15.xml><?xml version="1.0" encoding="utf-8"?>
+<p:sld xmlns:a="http://schemas.openxmlformats.org/drawingml/2006/main" xmlns:r="http://schemas.openxmlformats.org/officeDocument/2006/relationships" xmlns:p="http://schemas.openxmlformats.org/presentationml/2006/main">
+  <p:cSld>
+    <p:spTree>
+      <p:nvGrpSpPr>
+        <p:cNvPr id="1" name=""/>
+        <p:cNvGrpSpPr/>
+        <p:nvPr/>
+      </p:nvGrpSpPr>
+      <p:grpSpPr>
+        <a:xfrm>
+          <a:off x="0" y="0"/>
+          <a:ext cx="0" cy="0"/>
+          <a:chOff x="0" y="0"/>
+          <a:chExt cx="0" cy="0"/>
+        </a:xfrm>
+      </p:grpSpPr>
+      <p:sp>
+        <p:nvSpPr>
+          <p:cNvPr id="5122" name="Titel 1"/>
+          <p:cNvSpPr>
+            <a:spLocks noGrp="1"/>
+          </p:cNvSpPr>
+          <p:nvPr>
+            <p:ph type="title" idx="4294967295"/>
+          </p:nvPr>
+        </p:nvSpPr>
+        <p:spPr/>
+        <p:txBody>
+          <a:bodyPr/>
+          <a:lstStyle/>
+          <a:p>
+            <a:r>
+              <a:rPr lang="de-DE" altLang="de-DE" dirty="0" smtClean="0"/>
+              <a:t>Netz der </a:t>
+            </a:r>
+            <a:r>
+              <a:rPr lang="de-DE" altLang="de-DE" dirty="0" err="1" smtClean="0"/>
+              <a:t>infra</a:t>
+            </a:r>
+            <a:r>
+              <a:rPr lang="de-DE" altLang="de-DE" dirty="0" smtClean="0"/>
+              <a:t> </a:t>
+            </a:r>
+            <a:r>
+              <a:rPr lang="de-DE" altLang="de-DE" dirty="0" err="1" smtClean="0"/>
+              <a:t>fürth</a:t>
+            </a:r>
+            <a:r>
+              <a:rPr lang="de-DE" altLang="de-DE" dirty="0"/>
+              <a:t> </a:t>
+            </a:r>
+            <a:r>
+              <a:rPr lang="de-DE" altLang="de-DE" dirty="0" smtClean="0"/>
+              <a:t>– Gesamtnetz</a:t>
+            </a:r>
+          </a:p>
+        </p:txBody>
+      </p:sp>
+      <p:sp>
+        <p:nvSpPr>
+          <p:cNvPr id="4" name="Datumsplatzhalter 3"/>
+          <p:cNvSpPr>
+            <a:spLocks noGrp="1"/>
+          </p:cNvSpPr>
+          <p:nvPr>
+            <p:ph type="dt" sz="quarter" idx="10"/>
+          </p:nvPr>
+        </p:nvSpPr>
+        <p:spPr/>
+        <p:txBody>
+          <a:bodyPr/>
+          <a:lstStyle/>
+          <a:p>
+            <a:pPr>
+              <a:defRPr/>
+            </a:pPr>
+            <a:fld id="{CFCB4136-ADBE-4489-A60E-9D411075CA32}" type="datetime1">
+              <a:rPr lang="de-DE" smtClean="0"/>
+              <a:pPr>
+                <a:defRPr/>
+              </a:pPr>
+              <a:t>05.03.2015</a:t>
+            </a:fld>
+            <a:endParaRPr lang="de-DE" dirty="0"/>
+          </a:p>
+        </p:txBody>
+      </p:sp>
+      <p:sp>
+        <p:nvSpPr>
+          <p:cNvPr id="5" name="Foliennummernplatzhalter 4"/>
+          <p:cNvSpPr>
+            <a:spLocks noGrp="1"/>
+          </p:cNvSpPr>
+          <p:nvPr>
+            <p:ph type="sldNum" sz="quarter" idx="11"/>
+          </p:nvPr>
+        </p:nvSpPr>
+        <p:spPr/>
+        <p:txBody>
+          <a:bodyPr/>
+          <a:lstStyle>
+            <a:lvl1pPr>
+              <a:defRPr sz="2000">
+                <a:solidFill>
+                  <a:schemeClr val="tx1"/>
+                </a:solidFill>
+                <a:latin typeface="Arial" panose="020B0604020202020204" pitchFamily="34" charset="0"/>
+              </a:defRPr>
+            </a:lvl1pPr>
+            <a:lvl2pPr marL="742950" indent="-285750">
+              <a:defRPr sz="2000">
+                <a:solidFill>
+                  <a:schemeClr val="tx1"/>
+                </a:solidFill>
+                <a:latin typeface="Arial" panose="020B0604020202020204" pitchFamily="34" charset="0"/>
+              </a:defRPr>
+            </a:lvl2pPr>
+            <a:lvl3pPr marL="1143000" indent="-228600">
+              <a:defRPr sz="2000">
+                <a:solidFill>
+                  <a:schemeClr val="tx1"/>
+                </a:solidFill>
+                <a:latin typeface="Arial" panose="020B0604020202020204" pitchFamily="34" charset="0"/>
+              </a:defRPr>
+            </a:lvl3pPr>
+            <a:lvl4pPr marL="1600200" indent="-228600">
+              <a:defRPr sz="2000">
+                <a:solidFill>
+                  <a:schemeClr val="tx1"/>
+                </a:solidFill>
+                <a:latin typeface="Arial" panose="020B0604020202020204" pitchFamily="34" charset="0"/>
+              </a:defRPr>
+            </a:lvl4pPr>
+            <a:lvl5pPr marL="2057400" indent="-228600">
+              <a:defRPr sz="2000">
+                <a:solidFill>
+                  <a:schemeClr val="tx1"/>
+                </a:solidFill>
+                <a:latin typeface="Arial" panose="020B0604020202020204" pitchFamily="34" charset="0"/>
+              </a:defRPr>
+            </a:lvl5pPr>
+            <a:lvl6pPr marL="2514600" indent="-228600" algn="r" eaLnBrk="0" fontAlgn="base" hangingPunct="0">
+              <a:spcBef>
+                <a:spcPct val="0"/>
+              </a:spcBef>
+              <a:spcAft>
+                <a:spcPct val="0"/>
+              </a:spcAft>
+              <a:defRPr sz="2000">
+                <a:solidFill>
+                  <a:schemeClr val="tx1"/>
+                </a:solidFill>
+                <a:latin typeface="Arial" panose="020B0604020202020204" pitchFamily="34" charset="0"/>
+              </a:defRPr>
+            </a:lvl6pPr>
+            <a:lvl7pPr marL="2971800" indent="-228600" algn="r" eaLnBrk="0" fontAlgn="base" hangingPunct="0">
+              <a:spcBef>
+                <a:spcPct val="0"/>
+              </a:spcBef>
+              <a:spcAft>
+                <a:spcPct val="0"/>
+              </a:spcAft>
+              <a:defRPr sz="2000">
+                <a:solidFill>
+                  <a:schemeClr val="tx1"/>
+                </a:solidFill>
+                <a:latin typeface="Arial" panose="020B0604020202020204" pitchFamily="34" charset="0"/>
+              </a:defRPr>
+            </a:lvl7pPr>
+            <a:lvl8pPr marL="3429000" indent="-228600" algn="r" eaLnBrk="0" fontAlgn="base" hangingPunct="0">
+              <a:spcBef>
+                <a:spcPct val="0"/>
+              </a:spcBef>
+              <a:spcAft>
+                <a:spcPct val="0"/>
+              </a:spcAft>
+              <a:defRPr sz="2000">
+                <a:solidFill>
+                  <a:schemeClr val="tx1"/>
+                </a:solidFill>
+                <a:latin typeface="Arial" panose="020B0604020202020204" pitchFamily="34" charset="0"/>
+              </a:defRPr>
+            </a:lvl8pPr>
+            <a:lvl9pPr marL="3886200" indent="-228600" algn="r" eaLnBrk="0" fontAlgn="base" hangingPunct="0">
+              <a:spcBef>
+                <a:spcPct val="0"/>
+              </a:spcBef>
+              <a:spcAft>
+                <a:spcPct val="0"/>
+              </a:spcAft>
+              <a:defRPr sz="2000">
+                <a:solidFill>
+                  <a:schemeClr val="tx1"/>
+                </a:solidFill>
+                <a:latin typeface="Arial" panose="020B0604020202020204" pitchFamily="34" charset="0"/>
+              </a:defRPr>
+            </a:lvl9pPr>
+          </a:lstStyle>
+          <a:p>
+            <a:fld id="{834334E3-0A74-4AD5-8852-FB704DEBC620}" type="slidenum">
+              <a:rPr lang="de-DE" altLang="de-DE" sz="1200">
+                <a:solidFill>
+                  <a:schemeClr val="bg2"/>
+                </a:solidFill>
+                <a:latin typeface="TUM Neue Helvetica 55 Regular" pitchFamily="34" charset="0"/>
+              </a:rPr>
+              <a:pPr/>
+              <a:t>15</a:t>
             </a:fld>
             <a:endParaRPr lang="de-DE" altLang="de-DE" sz="1200" dirty="0">
               <a:solidFill>
@@ -8962,7 +9378,7 @@
           <p:nvPr>
             <p:extLst>
               <p:ext uri="{D42A27DB-BD31-4B8C-83A1-F6EECF244321}">
-                <p14:modId xmlns:p14="http://schemas.microsoft.com/office/powerpoint/2010/main" val="2150196440"/>
+                <p14:modId xmlns:p14="http://schemas.microsoft.com/office/powerpoint/2010/main" val="1046897041"/>
               </p:ext>
             </p:extLst>
           </p:nvPr>
@@ -8997,7 +9413,7 @@
 </p:sld>
 </file>
 
-<file path=ppt/slides/slide15.xml><?xml version="1.0" encoding="utf-8"?>
+<file path=ppt/slides/slide16.xml><?xml version="1.0" encoding="utf-8"?>
 <p:sld xmlns:a="http://schemas.openxmlformats.org/drawingml/2006/main" xmlns:r="http://schemas.openxmlformats.org/officeDocument/2006/relationships" xmlns:p="http://schemas.openxmlformats.org/presentationml/2006/main">
   <p:cSld>
     <p:spTree>
@@ -9065,7 +9481,7 @@
               <a:pPr>
                 <a:defRPr/>
               </a:pPr>
-              <a:t>01.03.2015</a:t>
+              <a:t>05.03.2015</a:t>
             </a:fld>
             <a:endParaRPr lang="de-DE" dirty="0"/>
           </a:p>
@@ -9191,7 +9607,7 @@
                 <a:latin typeface="TUM Neue Helvetica 55 Regular" pitchFamily="34" charset="0"/>
               </a:rPr>
               <a:pPr/>
-              <a:t>15</a:t>
+              <a:t>16</a:t>
             </a:fld>
             <a:endParaRPr lang="de-DE" altLang="de-DE" sz="1200" dirty="0">
               <a:solidFill>
@@ -9415,16 +9831,6 @@
                 </a:rPr>
                 <a:t>HELM</a:t>
               </a:r>
-              <a:endParaRPr kumimoji="0" lang="de-AT" sz="1400" b="0" i="0" u="none" strike="noStrike" cap="none" normalizeH="0" baseline="0" dirty="0" smtClean="0">
-                <a:ln>
-                  <a:noFill/>
-                </a:ln>
-                <a:solidFill>
-                  <a:srgbClr val="292929"/>
-                </a:solidFill>
-                <a:effectLst/>
-                <a:latin typeface="Arial" charset="0"/>
-              </a:endParaRPr>
             </a:p>
           </p:txBody>
         </p:sp>
@@ -9496,16 +9902,6 @@
                 </a:rPr>
                 <a:t>Nur PQ- und PV-Knoten?</a:t>
               </a:r>
-              <a:endParaRPr kumimoji="0" lang="de-AT" sz="1200" b="0" i="0" u="none" strike="noStrike" cap="none" normalizeH="0" baseline="0" dirty="0" smtClean="0">
-                <a:ln>
-                  <a:noFill/>
-                </a:ln>
-                <a:solidFill>
-                  <a:srgbClr val="292929"/>
-                </a:solidFill>
-                <a:effectLst/>
-                <a:latin typeface="Arial" charset="0"/>
-              </a:endParaRPr>
             </a:p>
           </p:txBody>
         </p:sp>
@@ -9577,16 +9973,6 @@
                 </a:rPr>
                 <a:t>Laufzeit wichtig?</a:t>
               </a:r>
-              <a:endParaRPr kumimoji="0" lang="de-AT" sz="1200" b="0" i="0" u="none" strike="noStrike" cap="none" normalizeH="0" baseline="0" dirty="0" smtClean="0">
-                <a:ln>
-                  <a:noFill/>
-                </a:ln>
-                <a:solidFill>
-                  <a:srgbClr val="292929"/>
-                </a:solidFill>
-                <a:effectLst/>
-                <a:latin typeface="Arial" charset="0"/>
-              </a:endParaRPr>
             </a:p>
           </p:txBody>
         </p:sp>
@@ -9745,16 +10131,6 @@
                 </a:rPr>
                 <a:t>FDLF</a:t>
               </a:r>
-              <a:endParaRPr kumimoji="0" lang="de-AT" sz="1400" b="0" i="0" u="none" strike="noStrike" cap="none" normalizeH="0" baseline="0" dirty="0" smtClean="0">
-                <a:ln>
-                  <a:noFill/>
-                </a:ln>
-                <a:solidFill>
-                  <a:srgbClr val="292929"/>
-                </a:solidFill>
-                <a:effectLst/>
-                <a:latin typeface="Arial" charset="0"/>
-              </a:endParaRPr>
             </a:p>
           </p:txBody>
         </p:sp>
@@ -10131,7 +10507,7 @@
 </p:sld>
 </file>
 
-<file path=ppt/slides/slide16.xml><?xml version="1.0" encoding="utf-8"?>
+<file path=ppt/slides/slide17.xml><?xml version="1.0" encoding="utf-8"?>
 <p:sld xmlns:a="http://schemas.openxmlformats.org/drawingml/2006/main" xmlns:r="http://schemas.openxmlformats.org/officeDocument/2006/relationships" xmlns:p="http://schemas.openxmlformats.org/presentationml/2006/main">
   <p:cSld>
     <p:spTree>
@@ -10171,7 +10547,7 @@
               <a:pPr>
                 <a:defRPr/>
               </a:pPr>
-              <a:t>01.03.2015</a:t>
+              <a:t>05.03.2015</a:t>
             </a:fld>
             <a:endParaRPr lang="de-DE" dirty="0"/>
           </a:p>
@@ -10297,7 +10673,7 @@
                 <a:latin typeface="TUM Neue Helvetica 55 Regular" pitchFamily="34" charset="0"/>
               </a:rPr>
               <a:pPr/>
-              <a:t>16</a:t>
+              <a:t>17</a:t>
             </a:fld>
             <a:endParaRPr lang="de-DE" altLang="de-DE" sz="1200" dirty="0">
               <a:solidFill>
@@ -10642,7 +11018,6 @@
               <a:rPr lang="de-DE" altLang="de-DE" dirty="0" smtClean="0"/>
               <a:t>Ergebnisse</a:t>
             </a:r>
-            <a:endParaRPr lang="de-DE" altLang="de-DE" dirty="0" smtClean="0"/>
           </a:p>
           <a:p>
             <a:pPr>
@@ -10654,7 +11029,6 @@
               <a:rPr lang="de-DE" altLang="de-DE" dirty="0" smtClean="0"/>
               <a:t>Zusammenfassung</a:t>
             </a:r>
-            <a:endParaRPr lang="de-DE" altLang="de-DE" dirty="0" smtClean="0"/>
           </a:p>
         </p:txBody>
       </p:sp>
@@ -10681,7 +11055,7 @@
               <a:pPr>
                 <a:defRPr/>
               </a:pPr>
-              <a:t>01.03.2015</a:t>
+              <a:t>05.03.2015</a:t>
             </a:fld>
             <a:endParaRPr lang="de-DE" dirty="0"/>
           </a:p>
@@ -10966,7 +11340,7 @@
               <a:pPr>
                 <a:defRPr/>
               </a:pPr>
-              <a:t>01.03.2015</a:t>
+              <a:t>05.03.2015</a:t>
             </a:fld>
             <a:endParaRPr lang="de-DE" dirty="0"/>
           </a:p>
@@ -11169,15 +11543,7 @@
             </a:pPr>
             <a:r>
               <a:rPr lang="de-DE" altLang="de-DE" dirty="0" smtClean="0"/>
-              <a:t>Ziel: Anwendung </a:t>
-            </a:r>
-            <a:r>
-              <a:rPr lang="de-DE" altLang="de-DE" dirty="0" smtClean="0"/>
-              <a:t>von HELM auf </a:t>
-            </a:r>
-            <a:r>
-              <a:rPr lang="de-DE" altLang="de-DE" dirty="0" smtClean="0"/>
-              <a:t>das Netz der </a:t>
+              <a:t>Ziel: Anwendung von HELM auf das Netz der </a:t>
             </a:r>
             <a:r>
               <a:rPr lang="de-DE" altLang="de-DE" dirty="0" err="1" smtClean="0"/>
@@ -11455,7 +11821,7 @@
               <a:pPr>
                 <a:defRPr/>
               </a:pPr>
-              <a:t>01.03.2015</a:t>
+              <a:t>05.03.2015</a:t>
             </a:fld>
             <a:endParaRPr lang="de-DE" dirty="0"/>
           </a:p>
@@ -11802,7 +12168,7 @@
               <a:pPr>
                 <a:defRPr/>
               </a:pPr>
-              <a:t>01.03.2015</a:t>
+              <a:t>05.03.2015</a:t>
             </a:fld>
             <a:endParaRPr lang="de-DE" dirty="0"/>
           </a:p>
@@ -12331,18 +12697,13 @@
           <a:p>
             <a:r>
               <a:rPr lang="de-DE" altLang="de-DE" dirty="0" smtClean="0"/>
-              <a:t>Embedding eines Parameter </a:t>
+              <a:t>Embedding eines Parameter s</a:t>
             </a:r>
-            <a:r>
-              <a:rPr lang="de-DE" altLang="de-DE" dirty="0" smtClean="0"/>
-              <a:t>s</a:t>
-            </a:r>
-            <a:endParaRPr lang="de-DE" altLang="de-DE" dirty="0" smtClean="0"/>
           </a:p>
         </p:txBody>
       </p:sp>
-      <mc:AlternateContent xmlns:mc="http://schemas.openxmlformats.org/markup-compatibility/2006">
-        <mc:Choice xmlns:a14="http://schemas.microsoft.com/office/drawing/2010/main" Requires="a14">
+      <mc:AlternateContent xmlns:mc="http://schemas.openxmlformats.org/markup-compatibility/2006" xmlns:a14="http://schemas.microsoft.com/office/drawing/2010/main">
+        <mc:Choice Requires="a14">
           <p:sp>
             <p:nvSpPr>
               <p:cNvPr id="11" name="TextBox 10"/>
@@ -12781,7 +13142,7 @@
             </p:txBody>
           </p:sp>
         </mc:Choice>
-        <mc:Fallback>
+        <mc:Fallback xmlns="">
           <p:sp>
             <p:nvSpPr>
               <p:cNvPr id="11" name="TextBox 10"/>
@@ -12844,12 +13205,11 @@
               <a:rPr lang="de-DE" altLang="de-DE" dirty="0" smtClean="0"/>
               <a:t>Entwicklung der Spannungsfunktionen in eine Laurent-Reihe</a:t>
             </a:r>
-            <a:endParaRPr lang="de-DE" altLang="de-DE" dirty="0" smtClean="0"/>
           </a:p>
         </p:txBody>
       </p:sp>
-      <mc:AlternateContent xmlns:mc="http://schemas.openxmlformats.org/markup-compatibility/2006">
-        <mc:Choice xmlns:a14="http://schemas.microsoft.com/office/drawing/2010/main" Requires="a14">
+      <mc:AlternateContent xmlns:mc="http://schemas.openxmlformats.org/markup-compatibility/2006" xmlns:a14="http://schemas.microsoft.com/office/drawing/2010/main">
+        <mc:Choice Requires="a14">
           <p:sp>
             <p:nvSpPr>
               <p:cNvPr id="13" name="TextBox 12"/>
@@ -13088,7 +13448,7 @@
             </p:txBody>
           </p:sp>
         </mc:Choice>
-        <mc:Fallback>
+        <mc:Fallback xmlns="">
           <p:sp>
             <p:nvSpPr>
               <p:cNvPr id="13" name="TextBox 12"/>
@@ -13209,7 +13569,7 @@
               <a:pPr>
                 <a:defRPr/>
               </a:pPr>
-              <a:t>01.03.2015</a:t>
+              <a:t>05.03.2015</a:t>
             </a:fld>
             <a:endParaRPr lang="de-DE" dirty="0"/>
           </a:p>
@@ -15009,7 +15369,7 @@
               <a:pPr>
                 <a:defRPr/>
               </a:pPr>
-              <a:t>01.03.2015</a:t>
+              <a:t>05.03.2015</a:t>
             </a:fld>
             <a:endParaRPr lang="de-DE" dirty="0"/>
           </a:p>
@@ -16468,7 +16828,7 @@
               <a:pPr>
                 <a:defRPr/>
               </a:pPr>
-              <a:t>01.03.2015</a:t>
+              <a:t>05.03.2015</a:t>
             </a:fld>
             <a:endParaRPr lang="de-DE" dirty="0"/>
           </a:p>
@@ -16945,7 +17305,6 @@
               <a:rPr lang="de-DE" altLang="de-DE" dirty="0" smtClean="0"/>
               <a:t>Berechnung</a:t>
             </a:r>
-            <a:endParaRPr lang="de-DE" altLang="de-DE" dirty="0" smtClean="0"/>
           </a:p>
         </p:txBody>
       </p:sp>
@@ -16972,7 +17331,7 @@
               <a:pPr>
                 <a:defRPr/>
               </a:pPr>
-              <a:t>01.03.2015</a:t>
+              <a:t>05.03.2015</a:t>
             </a:fld>
             <a:endParaRPr lang="de-DE" dirty="0"/>
           </a:p>
